--- a/docs/p2ppost_prezentace (1).pptx
+++ b/docs/p2ppost_prezentace (1).pptx
@@ -6089,7 +6089,7 @@
             </a:pPr>
             <a:r>
               <a:rPr lang="cs-CZ" dirty="0"/>
-              <a:t>Zde se</a:t>
+              <a:t>Zde se </a:t>
             </a:r>
             <a:r>
               <a:rPr lang="en-GB" dirty="0" err="1"/>
@@ -6174,10 +6174,6 @@
             <a:r>
               <a:rPr lang="en-GB" dirty="0" err="1"/>
               <a:t>podpis</a:t>
-            </a:r>
-            <a:r>
-              <a:rPr lang="en-GB" dirty="0"/>
-              <a:t>.</a:t>
             </a:r>
             <a:endParaRPr lang="cs-CZ" dirty="0"/>
           </a:p>
@@ -12058,11 +12054,11 @@
           <a:p>
             <a:r>
               <a:rPr lang="cs-CZ" dirty="0"/>
-              <a:t>Děkujeme za </a:t>
-            </a:r>
-            <a:r>
-              <a:rPr lang="cs-CZ" dirty="0" err="1"/>
-              <a:t>pozoronost</a:t>
+              <a:t>Děkujeme </a:t>
+            </a:r>
+            <a:r>
+              <a:rPr lang="cs-CZ"/>
+              <a:t>za pozornost</a:t>
             </a:r>
             <a:endParaRPr lang="en-GB" dirty="0"/>
           </a:p>
